--- a/Documenten/Demo 1  Powerpoint.pptx
+++ b/Documenten/Demo 1  Powerpoint.pptx
@@ -9,7 +9,8 @@
     <p:sldId id="257" r:id="rId3"/>
     <p:sldId id="258" r:id="rId4"/>
     <p:sldId id="259" r:id="rId5"/>
-    <p:sldId id="260" r:id="rId6"/>
+    <p:sldId id="261" r:id="rId6"/>
+    <p:sldId id="260" r:id="rId7"/>
   </p:sldIdLst>
   <p:sldSz cx="12192000" cy="6858000"/>
   <p:notesSz cx="6858000" cy="9144000"/>
@@ -108,6 +109,11 @@
       </a:defRPr>
     </a:lvl9pPr>
   </p:defaultTextStyle>
+  <p:extLst>
+    <p:ext uri="{EFAFB233-063F-42B5-8137-9DF3F51BA10A}">
+      <p15:sldGuideLst xmlns:p15="http://schemas.microsoft.com/office/powerpoint/2012/main"/>
+    </p:ext>
+  </p:extLst>
 </p:presentation>
 </file>
 
@@ -6172,6 +6178,10 @@
             </a:r>
           </a:p>
           <a:p>
+            <a:r>
+              <a:rPr lang="nl-NL" dirty="0" err="1"/>
+              <a:t>Uurdistributielijst</a:t>
+            </a:r>
             <a:endParaRPr lang="nl-NL" dirty="0"/>
           </a:p>
           <a:p>
@@ -6426,6 +6436,285 @@
 </file>
 
 <file path=ppt/slides/slide5.xml><?xml version="1.0" encoding="utf-8"?>
+<p:sld xmlns:a="http://schemas.openxmlformats.org/drawingml/2006/main" xmlns:r="http://schemas.openxmlformats.org/officeDocument/2006/relationships" xmlns:p="http://schemas.openxmlformats.org/presentationml/2006/main">
+  <p:cSld>
+    <p:spTree>
+      <p:nvGrpSpPr>
+        <p:cNvPr id="1" name=""/>
+        <p:cNvGrpSpPr/>
+        <p:nvPr/>
+      </p:nvGrpSpPr>
+      <p:grpSpPr>
+        <a:xfrm>
+          <a:off x="0" y="0"/>
+          <a:ext cx="0" cy="0"/>
+          <a:chOff x="0" y="0"/>
+          <a:chExt cx="0" cy="0"/>
+        </a:xfrm>
+      </p:grpSpPr>
+      <p:graphicFrame>
+        <p:nvGraphicFramePr>
+          <p:cNvPr id="8" name="Tabel 8">
+            <a:extLst>
+              <a:ext uri="{FF2B5EF4-FFF2-40B4-BE49-F238E27FC236}">
+                <a16:creationId xmlns:a16="http://schemas.microsoft.com/office/drawing/2014/main" id="{3C42B8C5-E5AA-4F5D-9CD5-D8ACB76F6E0A}"/>
+              </a:ext>
+            </a:extLst>
+          </p:cNvPr>
+          <p:cNvGraphicFramePr>
+            <a:graphicFrameLocks noGrp="1"/>
+          </p:cNvGraphicFramePr>
+          <p:nvPr>
+            <p:extLst>
+              <p:ext uri="{D42A27DB-BD31-4B8C-83A1-F6EECF244321}">
+                <p14:modId xmlns:p14="http://schemas.microsoft.com/office/powerpoint/2010/main" val="2117519089"/>
+              </p:ext>
+            </p:extLst>
+          </p:nvPr>
+        </p:nvGraphicFramePr>
+        <p:xfrm>
+          <a:off x="1781017" y="2720481"/>
+          <a:ext cx="8629965" cy="1010920"/>
+        </p:xfrm>
+        <a:graphic>
+          <a:graphicData uri="http://schemas.openxmlformats.org/drawingml/2006/table">
+            <a:tbl>
+              <a:tblPr firstRow="1" bandRow="1">
+                <a:tableStyleId>{5C22544A-7EE6-4342-B048-85BDC9FD1C3A}</a:tableStyleId>
+              </a:tblPr>
+              <a:tblGrid>
+                <a:gridCol w="1725993">
+                  <a:extLst>
+                    <a:ext uri="{9D8B030D-6E8A-4147-A177-3AD203B41FA5}">
+                      <a16:colId xmlns:a16="http://schemas.microsoft.com/office/drawing/2014/main" val="2151106321"/>
+                    </a:ext>
+                  </a:extLst>
+                </a:gridCol>
+                <a:gridCol w="1725993">
+                  <a:extLst>
+                    <a:ext uri="{9D8B030D-6E8A-4147-A177-3AD203B41FA5}">
+                      <a16:colId xmlns:a16="http://schemas.microsoft.com/office/drawing/2014/main" val="3078863484"/>
+                    </a:ext>
+                  </a:extLst>
+                </a:gridCol>
+                <a:gridCol w="1725993">
+                  <a:extLst>
+                    <a:ext uri="{9D8B030D-6E8A-4147-A177-3AD203B41FA5}">
+                      <a16:colId xmlns:a16="http://schemas.microsoft.com/office/drawing/2014/main" val="3998661384"/>
+                    </a:ext>
+                  </a:extLst>
+                </a:gridCol>
+                <a:gridCol w="1725993">
+                  <a:extLst>
+                    <a:ext uri="{9D8B030D-6E8A-4147-A177-3AD203B41FA5}">
+                      <a16:colId xmlns:a16="http://schemas.microsoft.com/office/drawing/2014/main" val="3106724828"/>
+                    </a:ext>
+                  </a:extLst>
+                </a:gridCol>
+                <a:gridCol w="1725993">
+                  <a:extLst>
+                    <a:ext uri="{9D8B030D-6E8A-4147-A177-3AD203B41FA5}">
+                      <a16:colId xmlns:a16="http://schemas.microsoft.com/office/drawing/2014/main" val="1178952609"/>
+                    </a:ext>
+                  </a:extLst>
+                </a:gridCol>
+              </a:tblGrid>
+              <a:tr h="370840">
+                <a:tc>
+                  <a:txBody>
+                    <a:bodyPr/>
+                    <a:lstStyle/>
+                    <a:p>
+                      <a:r>
+                        <a:rPr lang="nl-NL" dirty="0"/>
+                        <a:t>Jeremy Vermeulen</a:t>
+                      </a:r>
+                    </a:p>
+                  </a:txBody>
+                  <a:tcPr/>
+                </a:tc>
+                <a:tc>
+                  <a:txBody>
+                    <a:bodyPr/>
+                    <a:lstStyle/>
+                    <a:p>
+                      <a:r>
+                        <a:rPr lang="nl-NL" dirty="0"/>
+                        <a:t>Jan Willem Grimme</a:t>
+                      </a:r>
+                    </a:p>
+                  </a:txBody>
+                  <a:tcPr/>
+                </a:tc>
+                <a:tc>
+                  <a:txBody>
+                    <a:bodyPr/>
+                    <a:lstStyle/>
+                    <a:p>
+                      <a:r>
+                        <a:rPr lang="nl-NL" dirty="0"/>
+                        <a:t>Jasper in ‘t Veld</a:t>
+                      </a:r>
+                    </a:p>
+                  </a:txBody>
+                  <a:tcPr/>
+                </a:tc>
+                <a:tc>
+                  <a:txBody>
+                    <a:bodyPr/>
+                    <a:lstStyle/>
+                    <a:p>
+                      <a:r>
+                        <a:rPr lang="nl-NL" dirty="0"/>
+                        <a:t>Roy Schottert</a:t>
+                      </a:r>
+                    </a:p>
+                  </a:txBody>
+                  <a:tcPr/>
+                </a:tc>
+                <a:tc>
+                  <a:txBody>
+                    <a:bodyPr/>
+                    <a:lstStyle/>
+                    <a:p>
+                      <a:r>
+                        <a:rPr lang="nl-NL" dirty="0"/>
+                        <a:t>Ivar Post</a:t>
+                      </a:r>
+                    </a:p>
+                  </a:txBody>
+                  <a:tcPr/>
+                </a:tc>
+                <a:extLst>
+                  <a:ext uri="{0D108BD9-81ED-4DB2-BD59-A6C34878D82A}">
+                    <a16:rowId xmlns:a16="http://schemas.microsoft.com/office/drawing/2014/main" val="3991137764"/>
+                  </a:ext>
+                </a:extLst>
+              </a:tr>
+              <a:tr h="370840">
+                <a:tc>
+                  <a:txBody>
+                    <a:bodyPr/>
+                    <a:lstStyle/>
+                    <a:p>
+                      <a:r>
+                        <a:rPr lang="nl-NL" dirty="0"/>
+                        <a:t>36,3 uur</a:t>
+                      </a:r>
+                    </a:p>
+                  </a:txBody>
+                  <a:tcPr/>
+                </a:tc>
+                <a:tc>
+                  <a:txBody>
+                    <a:bodyPr/>
+                    <a:lstStyle/>
+                    <a:p>
+                      <a:r>
+                        <a:rPr lang="nl-NL" dirty="0"/>
+                        <a:t>43,3 uur</a:t>
+                      </a:r>
+                    </a:p>
+                  </a:txBody>
+                  <a:tcPr/>
+                </a:tc>
+                <a:tc>
+                  <a:txBody>
+                    <a:bodyPr/>
+                    <a:lstStyle/>
+                    <a:p>
+                      <a:r>
+                        <a:rPr lang="nl-NL" dirty="0"/>
+                        <a:t>47,6 uur</a:t>
+                      </a:r>
+                    </a:p>
+                  </a:txBody>
+                  <a:tcPr/>
+                </a:tc>
+                <a:tc>
+                  <a:txBody>
+                    <a:bodyPr/>
+                    <a:lstStyle/>
+                    <a:p>
+                      <a:r>
+                        <a:rPr lang="nl-NL" dirty="0"/>
+                        <a:t>37,3 uur</a:t>
+                      </a:r>
+                    </a:p>
+                  </a:txBody>
+                  <a:tcPr/>
+                </a:tc>
+                <a:tc>
+                  <a:txBody>
+                    <a:bodyPr/>
+                    <a:lstStyle/>
+                    <a:p>
+                      <a:r>
+                        <a:rPr lang="nl-NL" dirty="0"/>
+                        <a:t>52,4 uur</a:t>
+                      </a:r>
+                    </a:p>
+                  </a:txBody>
+                  <a:tcPr/>
+                </a:tc>
+                <a:extLst>
+                  <a:ext uri="{0D108BD9-81ED-4DB2-BD59-A6C34878D82A}">
+                    <a16:rowId xmlns:a16="http://schemas.microsoft.com/office/drawing/2014/main" val="2485646841"/>
+                  </a:ext>
+                </a:extLst>
+              </a:tr>
+            </a:tbl>
+          </a:graphicData>
+        </a:graphic>
+      </p:graphicFrame>
+      <p:sp>
+        <p:nvSpPr>
+          <p:cNvPr id="9" name="Titel 1">
+            <a:extLst>
+              <a:ext uri="{FF2B5EF4-FFF2-40B4-BE49-F238E27FC236}">
+                <a16:creationId xmlns:a16="http://schemas.microsoft.com/office/drawing/2014/main" id="{AC4EBDF4-1D17-469A-AC70-03C888CCF240}"/>
+              </a:ext>
+            </a:extLst>
+          </p:cNvPr>
+          <p:cNvSpPr>
+            <a:spLocks noGrp="1"/>
+          </p:cNvSpPr>
+          <p:nvPr>
+            <p:ph type="title"/>
+          </p:nvPr>
+        </p:nvSpPr>
+        <p:spPr>
+          <a:xfrm>
+            <a:off x="646111" y="452718"/>
+            <a:ext cx="9404723" cy="1400530"/>
+          </a:xfrm>
+        </p:spPr>
+        <p:txBody>
+          <a:bodyPr/>
+          <a:lstStyle/>
+          <a:p>
+            <a:r>
+              <a:rPr lang="nl-NL" dirty="0" err="1"/>
+              <a:t>Uurdistributielijst</a:t>
+            </a:r>
+            <a:endParaRPr lang="nl-NL" dirty="0"/>
+          </a:p>
+        </p:txBody>
+      </p:sp>
+    </p:spTree>
+    <p:extLst>
+      <p:ext uri="{BB962C8B-B14F-4D97-AF65-F5344CB8AC3E}">
+        <p14:creationId xmlns:p14="http://schemas.microsoft.com/office/powerpoint/2010/main" val="2672436291"/>
+      </p:ext>
+    </p:extLst>
+  </p:cSld>
+  <p:clrMapOvr>
+    <a:masterClrMapping/>
+  </p:clrMapOvr>
+</p:sld>
+</file>
+
+<file path=ppt/slides/slide6.xml><?xml version="1.0" encoding="utf-8"?>
 <p:sld xmlns:a="http://schemas.openxmlformats.org/drawingml/2006/main" xmlns:r="http://schemas.openxmlformats.org/officeDocument/2006/relationships" xmlns:p="http://schemas.openxmlformats.org/presentationml/2006/main">
   <p:cSld>
     <p:bg>

--- a/Documenten/Demo 1  Powerpoint.pptx
+++ b/Documenten/Demo 1  Powerpoint.pptx
@@ -342,7 +342,7 @@
           <a:p>
             <a:fld id="{95D0428A-77AC-4581-98C2-100C506D0340}" type="slidenum">
               <a:rPr lang="nl-NL" smtClean="0"/>
-              <a:t>‹nr.›</a:t>
+              <a:t>‹#›</a:t>
             </a:fld>
             <a:endParaRPr lang="nl-NL"/>
           </a:p>
@@ -617,7 +617,7 @@
           <a:p>
             <a:fld id="{95D0428A-77AC-4581-98C2-100C506D0340}" type="slidenum">
               <a:rPr lang="nl-NL" smtClean="0"/>
-              <a:t>‹nr.›</a:t>
+              <a:t>‹#›</a:t>
             </a:fld>
             <a:endParaRPr lang="nl-NL"/>
           </a:p>
@@ -811,7 +811,7 @@
           <a:p>
             <a:fld id="{95D0428A-77AC-4581-98C2-100C506D0340}" type="slidenum">
               <a:rPr lang="nl-NL" smtClean="0"/>
-              <a:t>‹nr.›</a:t>
+              <a:t>‹#›</a:t>
             </a:fld>
             <a:endParaRPr lang="nl-NL"/>
           </a:p>
@@ -1079,7 +1079,7 @@
           <a:p>
             <a:fld id="{95D0428A-77AC-4581-98C2-100C506D0340}" type="slidenum">
               <a:rPr lang="nl-NL" smtClean="0"/>
-              <a:t>‹nr.›</a:t>
+              <a:t>‹#›</a:t>
             </a:fld>
             <a:endParaRPr lang="nl-NL"/>
           </a:p>
@@ -1411,7 +1411,7 @@
           <a:p>
             <a:fld id="{95D0428A-77AC-4581-98C2-100C506D0340}" type="slidenum">
               <a:rPr lang="nl-NL" smtClean="0"/>
-              <a:t>‹nr.›</a:t>
+              <a:t>‹#›</a:t>
             </a:fld>
             <a:endParaRPr lang="nl-NL"/>
           </a:p>
@@ -2021,7 +2021,7 @@
           <a:p>
             <a:fld id="{95D0428A-77AC-4581-98C2-100C506D0340}" type="slidenum">
               <a:rPr lang="nl-NL" smtClean="0"/>
-              <a:t>‹nr.›</a:t>
+              <a:t>‹#›</a:t>
             </a:fld>
             <a:endParaRPr lang="nl-NL"/>
           </a:p>
@@ -2868,7 +2868,7 @@
           <a:p>
             <a:fld id="{95D0428A-77AC-4581-98C2-100C506D0340}" type="slidenum">
               <a:rPr lang="nl-NL" smtClean="0"/>
-              <a:t>‹nr.›</a:t>
+              <a:t>‹#›</a:t>
             </a:fld>
             <a:endParaRPr lang="nl-NL"/>
           </a:p>
@@ -3038,7 +3038,7 @@
           <a:p>
             <a:fld id="{95D0428A-77AC-4581-98C2-100C506D0340}" type="slidenum">
               <a:rPr lang="nl-NL" smtClean="0"/>
-              <a:t>‹nr.›</a:t>
+              <a:t>‹#›</a:t>
             </a:fld>
             <a:endParaRPr lang="nl-NL"/>
           </a:p>
@@ -3218,7 +3218,7 @@
           <a:p>
             <a:fld id="{95D0428A-77AC-4581-98C2-100C506D0340}" type="slidenum">
               <a:rPr lang="nl-NL" smtClean="0"/>
-              <a:t>‹nr.›</a:t>
+              <a:t>‹#›</a:t>
             </a:fld>
             <a:endParaRPr lang="nl-NL"/>
           </a:p>
@@ -3388,7 +3388,7 @@
           <a:p>
             <a:fld id="{95D0428A-77AC-4581-98C2-100C506D0340}" type="slidenum">
               <a:rPr lang="nl-NL" smtClean="0"/>
-              <a:t>‹nr.›</a:t>
+              <a:t>‹#›</a:t>
             </a:fld>
             <a:endParaRPr lang="nl-NL"/>
           </a:p>
@@ -3632,7 +3632,7 @@
           <a:p>
             <a:fld id="{95D0428A-77AC-4581-98C2-100C506D0340}" type="slidenum">
               <a:rPr lang="nl-NL" smtClean="0"/>
-              <a:t>‹nr.›</a:t>
+              <a:t>‹#›</a:t>
             </a:fld>
             <a:endParaRPr lang="nl-NL"/>
           </a:p>
@@ -3924,7 +3924,7 @@
           <a:p>
             <a:fld id="{95D0428A-77AC-4581-98C2-100C506D0340}" type="slidenum">
               <a:rPr lang="nl-NL" smtClean="0"/>
-              <a:t>‹nr.›</a:t>
+              <a:t>‹#›</a:t>
             </a:fld>
             <a:endParaRPr lang="nl-NL"/>
           </a:p>
@@ -4362,7 +4362,7 @@
           <a:p>
             <a:fld id="{95D0428A-77AC-4581-98C2-100C506D0340}" type="slidenum">
               <a:rPr lang="nl-NL" smtClean="0"/>
-              <a:t>‹nr.›</a:t>
+              <a:t>‹#›</a:t>
             </a:fld>
             <a:endParaRPr lang="nl-NL"/>
           </a:p>
@@ -4480,7 +4480,7 @@
           <a:p>
             <a:fld id="{95D0428A-77AC-4581-98C2-100C506D0340}" type="slidenum">
               <a:rPr lang="nl-NL" smtClean="0"/>
-              <a:t>‹nr.›</a:t>
+              <a:t>‹#›</a:t>
             </a:fld>
             <a:endParaRPr lang="nl-NL"/>
           </a:p>
@@ -4575,7 +4575,7 @@
           <a:p>
             <a:fld id="{95D0428A-77AC-4581-98C2-100C506D0340}" type="slidenum">
               <a:rPr lang="nl-NL" smtClean="0"/>
-              <a:t>‹nr.›</a:t>
+              <a:t>‹#›</a:t>
             </a:fld>
             <a:endParaRPr lang="nl-NL"/>
           </a:p>
@@ -4854,7 +4854,7 @@
           <a:p>
             <a:fld id="{95D0428A-77AC-4581-98C2-100C506D0340}" type="slidenum">
               <a:rPr lang="nl-NL" smtClean="0"/>
-              <a:t>‹nr.›</a:t>
+              <a:t>‹#›</a:t>
             </a:fld>
             <a:endParaRPr lang="nl-NL"/>
           </a:p>
@@ -5129,7 +5129,7 @@
           <a:p>
             <a:fld id="{95D0428A-77AC-4581-98C2-100C506D0340}" type="slidenum">
               <a:rPr lang="nl-NL" smtClean="0"/>
-              <a:t>‹nr.›</a:t>
+              <a:t>‹#›</a:t>
             </a:fld>
             <a:endParaRPr lang="nl-NL"/>
           </a:p>
@@ -5595,7 +5595,7 @@
           <a:p>
             <a:fld id="{95D0428A-77AC-4581-98C2-100C506D0340}" type="slidenum">
               <a:rPr lang="nl-NL" smtClean="0"/>
-              <a:t>‹nr.›</a:t>
+              <a:t>‹#›</a:t>
             </a:fld>
             <a:endParaRPr lang="nl-NL"/>
           </a:p>
@@ -6173,16 +6173,16 @@
           </a:p>
           <a:p>
             <a:r>
+              <a:rPr lang="nl-NL"/>
+              <a:t>Uurdistributielijst</a:t>
+            </a:r>
+            <a:endParaRPr lang="nl-NL" dirty="0"/>
+          </a:p>
+          <a:p>
+            <a:r>
               <a:rPr lang="nl-NL" dirty="0"/>
               <a:t>Laten zien hoe het werkt</a:t>
             </a:r>
-          </a:p>
-          <a:p>
-            <a:r>
-              <a:rPr lang="nl-NL" dirty="0" err="1"/>
-              <a:t>Uurdistributielijst</a:t>
-            </a:r>
-            <a:endParaRPr lang="nl-NL" dirty="0"/>
           </a:p>
           <a:p>
             <a:endParaRPr lang="nl-NL" dirty="0"/>
